--- a/SciML-第二次作业.pptx
+++ b/SciML-第二次作业.pptx
@@ -199,7 +199,7 @@
           <a:p>
             <a:fld id="{AA24CD06-CDB8-463C-82C0-327730F8ACA7}" type="datetimeFigureOut">
               <a:rPr lang="en-US" smtClean="0"/>
-              <a:t>3/28/2023</a:t>
+              <a:t>3/31/2023</a:t>
             </a:fld>
             <a:endParaRPr lang="en-US"/>
           </a:p>
@@ -598,7 +598,7 @@
           <a:p>
             <a:fld id="{29F8D91E-FFF0-45B5-AFE0-22E101FDFDBC}" type="datetimeFigureOut">
               <a:rPr lang="en-US" smtClean="0"/>
-              <a:t>3/28/2023</a:t>
+              <a:t>3/31/2023</a:t>
             </a:fld>
             <a:endParaRPr lang="en-US"/>
           </a:p>
@@ -768,7 +768,7 @@
           <a:p>
             <a:fld id="{29F8D91E-FFF0-45B5-AFE0-22E101FDFDBC}" type="datetimeFigureOut">
               <a:rPr lang="en-US" smtClean="0"/>
-              <a:t>3/28/2023</a:t>
+              <a:t>3/31/2023</a:t>
             </a:fld>
             <a:endParaRPr lang="en-US"/>
           </a:p>
@@ -948,7 +948,7 @@
           <a:p>
             <a:fld id="{29F8D91E-FFF0-45B5-AFE0-22E101FDFDBC}" type="datetimeFigureOut">
               <a:rPr lang="en-US" smtClean="0"/>
-              <a:t>3/28/2023</a:t>
+              <a:t>3/31/2023</a:t>
             </a:fld>
             <a:endParaRPr lang="en-US"/>
           </a:p>
@@ -1118,7 +1118,7 @@
           <a:p>
             <a:fld id="{29F8D91E-FFF0-45B5-AFE0-22E101FDFDBC}" type="datetimeFigureOut">
               <a:rPr lang="en-US" smtClean="0"/>
-              <a:t>3/28/2023</a:t>
+              <a:t>3/31/2023</a:t>
             </a:fld>
             <a:endParaRPr lang="en-US"/>
           </a:p>
@@ -1362,7 +1362,7 @@
           <a:p>
             <a:fld id="{29F8D91E-FFF0-45B5-AFE0-22E101FDFDBC}" type="datetimeFigureOut">
               <a:rPr lang="en-US" smtClean="0"/>
-              <a:t>3/28/2023</a:t>
+              <a:t>3/31/2023</a:t>
             </a:fld>
             <a:endParaRPr lang="en-US"/>
           </a:p>
@@ -1594,7 +1594,7 @@
           <a:p>
             <a:fld id="{29F8D91E-FFF0-45B5-AFE0-22E101FDFDBC}" type="datetimeFigureOut">
               <a:rPr lang="en-US" smtClean="0"/>
-              <a:t>3/28/2023</a:t>
+              <a:t>3/31/2023</a:t>
             </a:fld>
             <a:endParaRPr lang="en-US"/>
           </a:p>
@@ -1961,7 +1961,7 @@
           <a:p>
             <a:fld id="{29F8D91E-FFF0-45B5-AFE0-22E101FDFDBC}" type="datetimeFigureOut">
               <a:rPr lang="en-US" smtClean="0"/>
-              <a:t>3/28/2023</a:t>
+              <a:t>3/31/2023</a:t>
             </a:fld>
             <a:endParaRPr lang="en-US"/>
           </a:p>
@@ -2079,7 +2079,7 @@
           <a:p>
             <a:fld id="{29F8D91E-FFF0-45B5-AFE0-22E101FDFDBC}" type="datetimeFigureOut">
               <a:rPr lang="en-US" smtClean="0"/>
-              <a:t>3/28/2023</a:t>
+              <a:t>3/31/2023</a:t>
             </a:fld>
             <a:endParaRPr lang="en-US"/>
           </a:p>
@@ -2174,7 +2174,7 @@
           <a:p>
             <a:fld id="{29F8D91E-FFF0-45B5-AFE0-22E101FDFDBC}" type="datetimeFigureOut">
               <a:rPr lang="en-US" smtClean="0"/>
-              <a:t>3/28/2023</a:t>
+              <a:t>3/31/2023</a:t>
             </a:fld>
             <a:endParaRPr lang="en-US"/>
           </a:p>
@@ -2451,7 +2451,7 @@
           <a:p>
             <a:fld id="{29F8D91E-FFF0-45B5-AFE0-22E101FDFDBC}" type="datetimeFigureOut">
               <a:rPr lang="en-US" smtClean="0"/>
-              <a:t>3/28/2023</a:t>
+              <a:t>3/31/2023</a:t>
             </a:fld>
             <a:endParaRPr lang="en-US"/>
           </a:p>
@@ -2708,7 +2708,7 @@
           <a:p>
             <a:fld id="{29F8D91E-FFF0-45B5-AFE0-22E101FDFDBC}" type="datetimeFigureOut">
               <a:rPr lang="en-US" smtClean="0"/>
-              <a:t>3/28/2023</a:t>
+              <a:t>3/31/2023</a:t>
             </a:fld>
             <a:endParaRPr lang="en-US"/>
           </a:p>
@@ -2921,7 +2921,7 @@
           <a:p>
             <a:fld id="{29F8D91E-FFF0-45B5-AFE0-22E101FDFDBC}" type="datetimeFigureOut">
               <a:rPr lang="en-US" smtClean="0"/>
-              <a:t>3/28/2023</a:t>
+              <a:t>3/31/2023</a:t>
             </a:fld>
             <a:endParaRPr lang="en-US"/>
           </a:p>
@@ -4649,7 +4649,7 @@
             <p:spPr>
               <a:xfrm>
                 <a:off x="2235191" y="791194"/>
-                <a:ext cx="4634447" cy="624145"/>
+                <a:ext cx="5319706" cy="624145"/>
               </a:xfrm>
               <a:prstGeom prst="rect">
                 <a:avLst/>
@@ -4731,13 +4731,19 @@
                             </m:funcPr>
                             <m:fName>
                               <m:r>
+                                <a:rPr lang="en-US" b="0" i="1" smtClean="0">
+                                  <a:latin typeface="Cambria Math" panose="02040503050406030204" pitchFamily="18" charset="0"/>
+                                </a:rPr>
+                                <m:t>𝜔</m:t>
+                              </m:r>
+                              <m:r>
                                 <m:rPr>
                                   <m:sty m:val="p"/>
                                 </m:rPr>
                                 <a:rPr lang="en-US" b="0" i="0" smtClean="0">
                                   <a:latin typeface="Cambria Math" panose="02040503050406030204" pitchFamily="18" charset="0"/>
                                 </a:rPr>
-                                <m:t>sin</m:t>
+                                <m:t>cos</m:t>
                               </m:r>
                             </m:fName>
                             <m:e>
@@ -4840,8 +4846,45 @@
                         <a:rPr lang="en-US" b="0" i="1" smtClean="0">
                           <a:latin typeface="Cambria Math" panose="02040503050406030204" pitchFamily="18" charset="0"/>
                         </a:rPr>
-                        <m:t>=1</m:t>
+                        <m:t>=1,</m:t>
                       </m:r>
+                      <m:r>
+                        <a:rPr lang="en-US" b="0" i="1" smtClean="0">
+                          <a:latin typeface="Cambria Math" panose="02040503050406030204" pitchFamily="18" charset="0"/>
+                        </a:rPr>
+                        <m:t>𝜔</m:t>
+                      </m:r>
+                      <m:r>
+                        <a:rPr lang="en-US" b="0" i="1" smtClean="0">
+                          <a:latin typeface="Cambria Math" panose="02040503050406030204" pitchFamily="18" charset="0"/>
+                        </a:rPr>
+                        <m:t>=</m:t>
+                      </m:r>
+                      <m:f>
+                        <m:fPr>
+                          <m:ctrlPr>
+                            <a:rPr lang="en-US" b="0" i="1" smtClean="0">
+                              <a:latin typeface="Cambria Math" panose="02040503050406030204" pitchFamily="18" charset="0"/>
+                            </a:rPr>
+                          </m:ctrlPr>
+                        </m:fPr>
+                        <m:num>
+                          <m:r>
+                            <a:rPr lang="en-US" b="0" i="1" smtClean="0">
+                              <a:latin typeface="Cambria Math" panose="02040503050406030204" pitchFamily="18" charset="0"/>
+                            </a:rPr>
+                            <m:t>𝜋</m:t>
+                          </m:r>
+                        </m:num>
+                        <m:den>
+                          <m:r>
+                            <a:rPr lang="en-US" b="0" i="1" smtClean="0">
+                              <a:latin typeface="Cambria Math" panose="02040503050406030204" pitchFamily="18" charset="0"/>
+                            </a:rPr>
+                            <m:t>2</m:t>
+                          </m:r>
+                        </m:den>
+                      </m:f>
                     </m:oMath>
                   </m:oMathPara>
                 </a14:m>
@@ -4868,7 +4911,7 @@
             <p:spPr>
               <a:xfrm>
                 <a:off x="2235191" y="791194"/>
-                <a:ext cx="4634447" cy="624145"/>
+                <a:ext cx="5319706" cy="624145"/>
               </a:xfrm>
               <a:prstGeom prst="rect">
                 <a:avLst/>
@@ -4895,8 +4938,8 @@
           </p:sp>
         </mc:Fallback>
       </mc:AlternateContent>
-      <mc:AlternateContent xmlns:mc="http://schemas.openxmlformats.org/markup-compatibility/2006">
-        <mc:Choice xmlns:a14="http://schemas.microsoft.com/office/drawing/2010/main" Requires="a14">
+      <mc:AlternateContent xmlns:mc="http://schemas.openxmlformats.org/markup-compatibility/2006" xmlns:a14="http://schemas.microsoft.com/office/drawing/2010/main">
+        <mc:Choice Requires="a14">
           <p:sp>
             <p:nvSpPr>
               <p:cNvPr id="12" name="TextBox 11">
@@ -5092,7 +5135,7 @@
             </p:txBody>
           </p:sp>
         </mc:Choice>
-        <mc:Fallback>
+        <mc:Fallback xmlns="">
           <p:sp>
             <p:nvSpPr>
               <p:cNvPr id="12" name="TextBox 11">
@@ -5243,8 +5286,8 @@
           </a:p>
         </p:txBody>
       </p:sp>
-      <mc:AlternateContent xmlns:mc="http://schemas.openxmlformats.org/markup-compatibility/2006">
-        <mc:Choice xmlns:a14="http://schemas.microsoft.com/office/drawing/2010/main" Requires="a14">
+      <mc:AlternateContent xmlns:mc="http://schemas.openxmlformats.org/markup-compatibility/2006" xmlns:a14="http://schemas.microsoft.com/office/drawing/2010/main">
+        <mc:Choice Requires="a14">
           <p:sp>
             <p:nvSpPr>
               <p:cNvPr id="32" name="TextBox 31">
@@ -5345,7 +5388,7 @@
             </p:txBody>
           </p:sp>
         </mc:Choice>
-        <mc:Fallback>
+        <mc:Fallback xmlns="">
           <p:sp>
             <p:nvSpPr>
               <p:cNvPr id="32" name="TextBox 31">
@@ -5492,8 +5535,8 @@
           </a:p>
         </p:txBody>
       </p:sp>
-      <mc:AlternateContent xmlns:mc="http://schemas.openxmlformats.org/markup-compatibility/2006" xmlns:a14="http://schemas.microsoft.com/office/drawing/2010/main">
-        <mc:Choice Requires="a14">
+      <mc:AlternateContent xmlns:mc="http://schemas.openxmlformats.org/markup-compatibility/2006">
+        <mc:Choice xmlns:a14="http://schemas.microsoft.com/office/drawing/2010/main" Requires="a14">
           <p:sp>
             <p:nvSpPr>
               <p:cNvPr id="3" name="TextBox 2">
@@ -5509,7 +5552,7 @@
             <p:spPr>
               <a:xfrm>
                 <a:off x="2235191" y="791194"/>
-                <a:ext cx="4634447" cy="624145"/>
+                <a:ext cx="5390727" cy="624145"/>
               </a:xfrm>
               <a:prstGeom prst="rect">
                 <a:avLst/>
@@ -5590,27 +5633,33 @@
                           <m:func>
                             <m:funcPr>
                               <m:ctrlPr>
-                                <a:rPr lang="en-US" b="0" i="1" smtClean="0">
+                                <a:rPr lang="en-US" altLang="zh-CN" i="1">
                                   <a:latin typeface="Cambria Math" panose="02040503050406030204" pitchFamily="18" charset="0"/>
                                 </a:rPr>
                               </m:ctrlPr>
                             </m:funcPr>
                             <m:fName>
                               <m:r>
+                                <a:rPr lang="en-US" altLang="zh-CN" i="1">
+                                  <a:latin typeface="Cambria Math" panose="02040503050406030204" pitchFamily="18" charset="0"/>
+                                </a:rPr>
+                                <m:t>𝜔</m:t>
+                              </m:r>
+                              <m:r>
                                 <m:rPr>
                                   <m:sty m:val="p"/>
                                 </m:rPr>
-                                <a:rPr lang="en-US" b="0" i="0" smtClean="0">
+                                <a:rPr lang="en-US" altLang="zh-CN">
                                   <a:latin typeface="Cambria Math" panose="02040503050406030204" pitchFamily="18" charset="0"/>
                                 </a:rPr>
-                                <m:t>sin</m:t>
+                                <m:t>cos</m:t>
                               </m:r>
                             </m:fName>
                             <m:e>
                               <m:d>
                                 <m:dPr>
                                   <m:ctrlPr>
-                                    <a:rPr lang="en-US" b="0" i="1" smtClean="0">
+                                    <a:rPr lang="en-US" altLang="zh-CN" i="1">
                                       <a:latin typeface="Cambria Math" panose="02040503050406030204" pitchFamily="18" charset="0"/>
                                     </a:rPr>
                                   </m:ctrlPr>
@@ -5619,20 +5668,20 @@
                                   <m:f>
                                     <m:fPr>
                                       <m:ctrlPr>
-                                        <a:rPr lang="en-US" b="0" i="1" smtClean="0">
+                                        <a:rPr lang="en-US" altLang="zh-CN" i="1">
                                           <a:latin typeface="Cambria Math" panose="02040503050406030204" pitchFamily="18" charset="0"/>
                                         </a:rPr>
                                       </m:ctrlPr>
                                     </m:fPr>
                                     <m:num>
                                       <m:r>
-                                        <a:rPr lang="en-US" b="0" i="1" smtClean="0">
+                                        <a:rPr lang="en-US" altLang="zh-CN" i="1">
                                           <a:latin typeface="Cambria Math" panose="02040503050406030204" pitchFamily="18" charset="0"/>
                                         </a:rPr>
                                         <m:t>𝜋</m:t>
                                       </m:r>
                                       <m:r>
-                                        <a:rPr lang="en-US" b="0" i="1" smtClean="0">
+                                        <a:rPr lang="en-US" altLang="zh-CN" i="1">
                                           <a:latin typeface="Cambria Math" panose="02040503050406030204" pitchFamily="18" charset="0"/>
                                         </a:rPr>
                                         <m:t>𝑡</m:t>
@@ -5640,7 +5689,7 @@
                                     </m:num>
                                     <m:den>
                                       <m:r>
-                                        <a:rPr lang="en-US" b="0" i="1" smtClean="0">
+                                        <a:rPr lang="en-US" altLang="zh-CN" i="1">
                                           <a:latin typeface="Cambria Math" panose="02040503050406030204" pitchFamily="18" charset="0"/>
                                         </a:rPr>
                                         <m:t>2</m:t>
@@ -5706,8 +5755,45 @@
                         <a:rPr lang="en-US" b="0" i="1" smtClean="0">
                           <a:latin typeface="Cambria Math" panose="02040503050406030204" pitchFamily="18" charset="0"/>
                         </a:rPr>
-                        <m:t>=1</m:t>
+                        <m:t>=1,</m:t>
                       </m:r>
+                      <m:r>
+                        <a:rPr lang="en-US" b="0" i="1" smtClean="0">
+                          <a:latin typeface="Cambria Math" panose="02040503050406030204" pitchFamily="18" charset="0"/>
+                        </a:rPr>
+                        <m:t>𝜔</m:t>
+                      </m:r>
+                      <m:r>
+                        <a:rPr lang="en-US" b="0" i="1" smtClean="0">
+                          <a:latin typeface="Cambria Math" panose="02040503050406030204" pitchFamily="18" charset="0"/>
+                        </a:rPr>
+                        <m:t>=</m:t>
+                      </m:r>
+                      <m:f>
+                        <m:fPr>
+                          <m:ctrlPr>
+                            <a:rPr lang="en-US" b="0" i="1" smtClean="0">
+                              <a:latin typeface="Cambria Math" panose="02040503050406030204" pitchFamily="18" charset="0"/>
+                            </a:rPr>
+                          </m:ctrlPr>
+                        </m:fPr>
+                        <m:num>
+                          <m:r>
+                            <a:rPr lang="en-US" b="0" i="1" smtClean="0">
+                              <a:latin typeface="Cambria Math" panose="02040503050406030204" pitchFamily="18" charset="0"/>
+                            </a:rPr>
+                            <m:t>𝜋</m:t>
+                          </m:r>
+                        </m:num>
+                        <m:den>
+                          <m:r>
+                            <a:rPr lang="en-US" b="0" i="1" smtClean="0">
+                              <a:latin typeface="Cambria Math" panose="02040503050406030204" pitchFamily="18" charset="0"/>
+                            </a:rPr>
+                            <m:t>2</m:t>
+                          </m:r>
+                        </m:den>
+                      </m:f>
                     </m:oMath>
                   </m:oMathPara>
                 </a14:m>
@@ -5716,7 +5802,7 @@
             </p:txBody>
           </p:sp>
         </mc:Choice>
-        <mc:Fallback xmlns="">
+        <mc:Fallback>
           <p:sp>
             <p:nvSpPr>
               <p:cNvPr id="3" name="TextBox 2">
@@ -5734,7 +5820,7 @@
             <p:spPr>
               <a:xfrm>
                 <a:off x="2235191" y="791194"/>
-                <a:ext cx="4634447" cy="624145"/>
+                <a:ext cx="5390727" cy="624145"/>
               </a:xfrm>
               <a:prstGeom prst="rect">
                 <a:avLst/>
@@ -5751,7 +5837,7 @@
               <a:lstStyle/>
               <a:p>
                 <a:r>
-                  <a:rPr lang="en-US">
+                  <a:rPr lang="zh-CN" altLang="en-US">
                     <a:noFill/>
                   </a:rPr>
                   <a:t> </a:t>
@@ -5796,8 +5882,8 @@
           </a:p>
         </p:txBody>
       </p:sp>
-      <mc:AlternateContent xmlns:mc="http://schemas.openxmlformats.org/markup-compatibility/2006">
-        <mc:Choice xmlns:a14="http://schemas.microsoft.com/office/drawing/2010/main" Requires="a14">
+      <mc:AlternateContent xmlns:mc="http://schemas.openxmlformats.org/markup-compatibility/2006" xmlns:a14="http://schemas.microsoft.com/office/drawing/2010/main">
+        <mc:Choice Requires="a14">
           <p:sp>
             <p:nvSpPr>
               <p:cNvPr id="18" name="TextBox 17">
@@ -5898,7 +5984,7 @@
             </p:txBody>
           </p:sp>
         </mc:Choice>
-        <mc:Fallback>
+        <mc:Fallback xmlns="">
           <p:sp>
             <p:nvSpPr>
               <p:cNvPr id="18" name="TextBox 17">
@@ -5943,8 +6029,8 @@
           </p:sp>
         </mc:Fallback>
       </mc:AlternateContent>
-      <mc:AlternateContent xmlns:mc="http://schemas.openxmlformats.org/markup-compatibility/2006">
-        <mc:Choice xmlns:a14="http://schemas.microsoft.com/office/drawing/2010/main" Requires="a14">
+      <mc:AlternateContent xmlns:mc="http://schemas.openxmlformats.org/markup-compatibility/2006" xmlns:a14="http://schemas.microsoft.com/office/drawing/2010/main">
+        <mc:Choice Requires="a14">
           <p:sp>
             <p:nvSpPr>
               <p:cNvPr id="30" name="TextBox 29">
@@ -6040,7 +6126,7 @@
             </p:txBody>
           </p:sp>
         </mc:Choice>
-        <mc:Fallback>
+        <mc:Fallback xmlns="">
           <p:sp>
             <p:nvSpPr>
               <p:cNvPr id="30" name="TextBox 29">
@@ -6120,8 +6206,8 @@
           </a:p>
         </p:txBody>
       </p:sp>
-      <mc:AlternateContent xmlns:mc="http://schemas.openxmlformats.org/markup-compatibility/2006">
-        <mc:Choice xmlns:a14="http://schemas.microsoft.com/office/drawing/2010/main" Requires="a14">
+      <mc:AlternateContent xmlns:mc="http://schemas.openxmlformats.org/markup-compatibility/2006" xmlns:a14="http://schemas.microsoft.com/office/drawing/2010/main">
+        <mc:Choice Requires="a14">
           <p:sp>
             <p:nvSpPr>
               <p:cNvPr id="36" name="TextBox 35">
@@ -6413,7 +6499,7 @@
             </p:txBody>
           </p:sp>
         </mc:Choice>
-        <mc:Fallback>
+        <mc:Fallback xmlns="">
           <p:sp>
             <p:nvSpPr>
               <p:cNvPr id="36" name="TextBox 35">
